--- a/await and async with sphero.pptx
+++ b/await and async with sphero.pptx
@@ -10,6 +10,11 @@
     <p:sldId id="258" r:id="rId4"/>
     <p:sldId id="259" r:id="rId5"/>
     <p:sldId id="260" r:id="rId6"/>
+    <p:sldId id="261" r:id="rId7"/>
+    <p:sldId id="263" r:id="rId8"/>
+    <p:sldId id="262" r:id="rId9"/>
+    <p:sldId id="264" r:id="rId10"/>
+    <p:sldId id="265" r:id="rId11"/>
   </p:sldIdLst>
   <p:sldSz cx="12192000" cy="6858000"/>
   <p:notesSz cx="6858000" cy="9144000"/>
@@ -3043,6 +3048,101 @@
   <p:clrMapOvr>
     <a:masterClrMapping/>
   </p:clrMapOvr>
+  <p:timing>
+    <p:tnLst>
+      <p:par>
+        <p:cTn id="1" dur="indefinite" restart="never" nodeType="tmRoot"/>
+      </p:par>
+    </p:tnLst>
+  </p:timing>
+</p:sld>
+</file>
+
+<file path=ppt/slides/slide10.xml><?xml version="1.0" encoding="utf-8"?>
+<p:sld xmlns:a="http://schemas.openxmlformats.org/drawingml/2006/main" xmlns:r="http://schemas.openxmlformats.org/officeDocument/2006/relationships" xmlns:p="http://schemas.openxmlformats.org/presentationml/2006/main">
+  <p:cSld>
+    <p:spTree>
+      <p:nvGrpSpPr>
+        <p:cNvPr id="1" name=""/>
+        <p:cNvGrpSpPr/>
+        <p:nvPr/>
+      </p:nvGrpSpPr>
+      <p:grpSpPr>
+        <a:xfrm>
+          <a:off x="0" y="0"/>
+          <a:ext cx="0" cy="0"/>
+          <a:chOff x="0" y="0"/>
+          <a:chExt cx="0" cy="0"/>
+        </a:xfrm>
+      </p:grpSpPr>
+      <p:sp>
+        <p:nvSpPr>
+          <p:cNvPr id="2" name="Title 1"/>
+          <p:cNvSpPr>
+            <a:spLocks noGrp="1"/>
+          </p:cNvSpPr>
+          <p:nvPr>
+            <p:ph type="title"/>
+          </p:nvPr>
+        </p:nvSpPr>
+        <p:spPr>
+          <a:xfrm>
+            <a:off x="0" y="332509"/>
+            <a:ext cx="12191999" cy="1358179"/>
+          </a:xfrm>
+        </p:spPr>
+        <p:txBody>
+          <a:bodyPr/>
+          <a:lstStyle/>
+          <a:p>
+            <a:pPr algn="ctr"/>
+            <a:r>
+              <a:rPr lang="en-US" dirty="0" smtClean="0"/>
+              <a:t>Thank You</a:t>
+            </a:r>
+            <a:endParaRPr lang="en-US" dirty="0"/>
+          </a:p>
+        </p:txBody>
+      </p:sp>
+      <p:pic>
+        <p:nvPicPr>
+          <p:cNvPr id="6" name="Content Placeholder 5"/>
+          <p:cNvPicPr>
+            <a:picLocks noGrp="1" noChangeAspect="1"/>
+          </p:cNvPicPr>
+          <p:nvPr>
+            <p:ph idx="1"/>
+          </p:nvPr>
+        </p:nvPicPr>
+        <p:blipFill>
+          <a:blip r:embed="rId2">
+            <a:extLst>
+              <a:ext uri="{28A0092B-C50C-407E-A947-70E740481C1C}">
+                <a14:useLocalDpi xmlns:a14="http://schemas.microsoft.com/office/drawing/2010/main" val="0"/>
+              </a:ext>
+            </a:extLst>
+          </a:blip>
+          <a:stretch>
+            <a:fillRect/>
+          </a:stretch>
+        </p:blipFill>
+        <p:spPr>
+          <a:xfrm>
+            <a:off x="4315689" y="2424981"/>
+            <a:ext cx="3810001" cy="2707337"/>
+          </a:xfrm>
+        </p:spPr>
+      </p:pic>
+    </p:spTree>
+    <p:extLst>
+      <p:ext uri="{BB962C8B-B14F-4D97-AF65-F5344CB8AC3E}">
+        <p14:creationId xmlns:p14="http://schemas.microsoft.com/office/powerpoint/2010/main" val="3844224469"/>
+      </p:ext>
+    </p:extLst>
+  </p:cSld>
+  <p:clrMapOvr>
+    <a:masterClrMapping/>
+  </p:clrMapOvr>
 </p:sld>
 </file>
 
@@ -3143,6 +3243,13 @@
   <p:clrMapOvr>
     <a:masterClrMapping/>
   </p:clrMapOvr>
+  <p:timing>
+    <p:tnLst>
+      <p:par>
+        <p:cTn id="1" dur="indefinite" restart="never" nodeType="tmRoot"/>
+      </p:par>
+    </p:tnLst>
+  </p:timing>
 </p:sld>
 </file>
 
@@ -3309,6 +3416,13 @@
   <p:clrMapOvr>
     <a:masterClrMapping/>
   </p:clrMapOvr>
+  <p:timing>
+    <p:tnLst>
+      <p:par>
+        <p:cTn id="1" dur="indefinite" restart="never" nodeType="tmRoot"/>
+      </p:par>
+    </p:tnLst>
+  </p:timing>
 </p:sld>
 </file>
 
@@ -3443,6 +3557,13 @@
   <p:clrMapOvr>
     <a:masterClrMapping/>
   </p:clrMapOvr>
+  <p:timing>
+    <p:tnLst>
+      <p:par>
+        <p:cTn id="1" dur="indefinite" restart="never" nodeType="tmRoot"/>
+      </p:par>
+    </p:tnLst>
+  </p:timing>
 </p:sld>
 </file>
 
@@ -3478,7 +3599,17 @@
           <a:bodyPr/>
           <a:lstStyle/>
           <a:p>
-            <a:endParaRPr lang="en-US" dirty="0"/>
+            <a:r>
+              <a:rPr lang="en-US" dirty="0" smtClean="0">
+                <a:latin typeface="Times New Roman" panose="02020603050405020304" pitchFamily="18" charset="0"/>
+                <a:cs typeface="Times New Roman" panose="02020603050405020304" pitchFamily="18" charset="0"/>
+              </a:rPr>
+              <a:t>Sphero</a:t>
+            </a:r>
+            <a:endParaRPr lang="en-US" dirty="0">
+              <a:latin typeface="Times New Roman" panose="02020603050405020304" pitchFamily="18" charset="0"/>
+              <a:cs typeface="Times New Roman" panose="02020603050405020304" pitchFamily="18" charset="0"/>
+            </a:endParaRPr>
           </a:p>
         </p:txBody>
       </p:sp>
@@ -3674,10 +3805,436 @@
           </a:p>
         </p:txBody>
       </p:sp>
+      <p:pic>
+        <p:nvPicPr>
+          <p:cNvPr id="4" name="Picture 3"/>
+          <p:cNvPicPr>
+            <a:picLocks noChangeAspect="1"/>
+          </p:cNvPicPr>
+          <p:nvPr/>
+        </p:nvPicPr>
+        <p:blipFill>
+          <a:blip r:embed="rId2">
+            <a:extLst>
+              <a:ext uri="{28A0092B-C50C-407E-A947-70E740481C1C}">
+                <a14:useLocalDpi xmlns:a14="http://schemas.microsoft.com/office/drawing/2010/main" val="0"/>
+              </a:ext>
+            </a:extLst>
+          </a:blip>
+          <a:stretch>
+            <a:fillRect/>
+          </a:stretch>
+        </p:blipFill>
+        <p:spPr>
+          <a:xfrm>
+            <a:off x="8020050" y="2942359"/>
+            <a:ext cx="2857500" cy="2857500"/>
+          </a:xfrm>
+          <a:prstGeom prst="rect">
+            <a:avLst/>
+          </a:prstGeom>
+        </p:spPr>
+      </p:pic>
     </p:spTree>
     <p:extLst>
       <p:ext uri="{BB962C8B-B14F-4D97-AF65-F5344CB8AC3E}">
         <p14:creationId xmlns:p14="http://schemas.microsoft.com/office/powerpoint/2010/main" val="2497410363"/>
+      </p:ext>
+    </p:extLst>
+  </p:cSld>
+  <p:clrMapOvr>
+    <a:masterClrMapping/>
+  </p:clrMapOvr>
+  <p:timing>
+    <p:tnLst>
+      <p:par>
+        <p:cTn id="1" dur="indefinite" restart="never" nodeType="tmRoot"/>
+      </p:par>
+    </p:tnLst>
+  </p:timing>
+</p:sld>
+</file>
+
+<file path=ppt/slides/slide6.xml><?xml version="1.0" encoding="utf-8"?>
+<p:sld xmlns:a="http://schemas.openxmlformats.org/drawingml/2006/main" xmlns:r="http://schemas.openxmlformats.org/officeDocument/2006/relationships" xmlns:p="http://schemas.openxmlformats.org/presentationml/2006/main">
+  <p:cSld>
+    <p:spTree>
+      <p:nvGrpSpPr>
+        <p:cNvPr id="1" name=""/>
+        <p:cNvGrpSpPr/>
+        <p:nvPr/>
+      </p:nvGrpSpPr>
+      <p:grpSpPr>
+        <a:xfrm>
+          <a:off x="0" y="0"/>
+          <a:ext cx="0" cy="0"/>
+          <a:chOff x="0" y="0"/>
+          <a:chExt cx="0" cy="0"/>
+        </a:xfrm>
+      </p:grpSpPr>
+      <p:sp>
+        <p:nvSpPr>
+          <p:cNvPr id="2" name="Title 1"/>
+          <p:cNvSpPr>
+            <a:spLocks noGrp="1"/>
+          </p:cNvSpPr>
+          <p:nvPr>
+            <p:ph type="title"/>
+          </p:nvPr>
+        </p:nvSpPr>
+        <p:spPr/>
+        <p:txBody>
+          <a:bodyPr/>
+          <a:lstStyle/>
+          <a:p>
+            <a:r>
+              <a:rPr lang="en-US" dirty="0" smtClean="0">
+                <a:latin typeface="Times New Roman" panose="02020603050405020304" pitchFamily="18" charset="0"/>
+                <a:cs typeface="Times New Roman" panose="02020603050405020304" pitchFamily="18" charset="0"/>
+              </a:rPr>
+              <a:t>New to Sphero?</a:t>
+            </a:r>
+            <a:endParaRPr lang="en-US" dirty="0">
+              <a:latin typeface="Times New Roman" panose="02020603050405020304" pitchFamily="18" charset="0"/>
+              <a:cs typeface="Times New Roman" panose="02020603050405020304" pitchFamily="18" charset="0"/>
+            </a:endParaRPr>
+          </a:p>
+        </p:txBody>
+      </p:sp>
+      <p:pic>
+        <p:nvPicPr>
+          <p:cNvPr id="4" name="Content Placeholder 3"/>
+          <p:cNvPicPr>
+            <a:picLocks noGrp="1" noChangeAspect="1"/>
+          </p:cNvPicPr>
+          <p:nvPr>
+            <p:ph idx="1"/>
+          </p:nvPr>
+        </p:nvPicPr>
+        <p:blipFill>
+          <a:blip r:embed="rId2">
+            <a:extLst>
+              <a:ext uri="{28A0092B-C50C-407E-A947-70E740481C1C}">
+                <a14:useLocalDpi xmlns:a14="http://schemas.microsoft.com/office/drawing/2010/main" val="0"/>
+              </a:ext>
+            </a:extLst>
+          </a:blip>
+          <a:stretch>
+            <a:fillRect/>
+          </a:stretch>
+        </p:blipFill>
+        <p:spPr>
+          <a:xfrm>
+            <a:off x="838200" y="1690688"/>
+            <a:ext cx="4454168" cy="4351338"/>
+          </a:xfrm>
+        </p:spPr>
+      </p:pic>
+    </p:spTree>
+    <p:extLst>
+      <p:ext uri="{BB962C8B-B14F-4D97-AF65-F5344CB8AC3E}">
+        <p14:creationId xmlns:p14="http://schemas.microsoft.com/office/powerpoint/2010/main" val="1573098734"/>
+      </p:ext>
+    </p:extLst>
+  </p:cSld>
+  <p:clrMapOvr>
+    <a:masterClrMapping/>
+  </p:clrMapOvr>
+  <p:timing>
+    <p:tnLst>
+      <p:par>
+        <p:cTn id="1" dur="indefinite" restart="never" nodeType="tmRoot"/>
+      </p:par>
+    </p:tnLst>
+  </p:timing>
+</p:sld>
+</file>
+
+<file path=ppt/slides/slide7.xml><?xml version="1.0" encoding="utf-8"?>
+<p:sld xmlns:a="http://schemas.openxmlformats.org/drawingml/2006/main" xmlns:r="http://schemas.openxmlformats.org/officeDocument/2006/relationships" xmlns:p="http://schemas.openxmlformats.org/presentationml/2006/main">
+  <p:cSld>
+    <p:spTree>
+      <p:nvGrpSpPr>
+        <p:cNvPr id="1" name=""/>
+        <p:cNvGrpSpPr/>
+        <p:nvPr/>
+      </p:nvGrpSpPr>
+      <p:grpSpPr>
+        <a:xfrm>
+          <a:off x="0" y="0"/>
+          <a:ext cx="0" cy="0"/>
+          <a:chOff x="0" y="0"/>
+          <a:chExt cx="0" cy="0"/>
+        </a:xfrm>
+      </p:grpSpPr>
+      <p:sp>
+        <p:nvSpPr>
+          <p:cNvPr id="2" name="Title 1"/>
+          <p:cNvSpPr>
+            <a:spLocks noGrp="1"/>
+          </p:cNvSpPr>
+          <p:nvPr>
+            <p:ph type="title"/>
+          </p:nvPr>
+        </p:nvSpPr>
+        <p:spPr/>
+        <p:txBody>
+          <a:bodyPr/>
+          <a:lstStyle/>
+          <a:p>
+            <a:r>
+              <a:rPr lang="en-US" dirty="0" smtClean="0">
+                <a:latin typeface="Times New Roman" panose="02020603050405020304" pitchFamily="18" charset="0"/>
+                <a:cs typeface="Times New Roman" panose="02020603050405020304" pitchFamily="18" charset="0"/>
+              </a:rPr>
+              <a:t>Programming in Sphero </a:t>
+            </a:r>
+            <a:r>
+              <a:rPr lang="en-US" dirty="0" err="1" smtClean="0">
+                <a:latin typeface="Times New Roman" panose="02020603050405020304" pitchFamily="18" charset="0"/>
+                <a:cs typeface="Times New Roman" panose="02020603050405020304" pitchFamily="18" charset="0"/>
+              </a:rPr>
+              <a:t>edu</a:t>
+            </a:r>
+            <a:endParaRPr lang="en-US" dirty="0">
+              <a:latin typeface="Times New Roman" panose="02020603050405020304" pitchFamily="18" charset="0"/>
+              <a:cs typeface="Times New Roman" panose="02020603050405020304" pitchFamily="18" charset="0"/>
+            </a:endParaRPr>
+          </a:p>
+        </p:txBody>
+      </p:sp>
+      <p:pic>
+        <p:nvPicPr>
+          <p:cNvPr id="6" name="Content Placeholder 5"/>
+          <p:cNvPicPr>
+            <a:picLocks noGrp="1" noChangeAspect="1"/>
+          </p:cNvPicPr>
+          <p:nvPr>
+            <p:ph idx="1"/>
+          </p:nvPr>
+        </p:nvPicPr>
+        <p:blipFill>
+          <a:blip r:embed="rId2">
+            <a:extLst>
+              <a:ext uri="{28A0092B-C50C-407E-A947-70E740481C1C}">
+                <a14:useLocalDpi xmlns:a14="http://schemas.microsoft.com/office/drawing/2010/main" val="0"/>
+              </a:ext>
+            </a:extLst>
+          </a:blip>
+          <a:stretch>
+            <a:fillRect/>
+          </a:stretch>
+        </p:blipFill>
+        <p:spPr>
+          <a:xfrm>
+            <a:off x="1413164" y="1690689"/>
+            <a:ext cx="3657600" cy="4239056"/>
+          </a:xfrm>
+        </p:spPr>
+      </p:pic>
+      <p:pic>
+        <p:nvPicPr>
+          <p:cNvPr id="7" name="Picture 6"/>
+          <p:cNvPicPr>
+            <a:picLocks noChangeAspect="1"/>
+          </p:cNvPicPr>
+          <p:nvPr/>
+        </p:nvPicPr>
+        <p:blipFill>
+          <a:blip r:embed="rId3">
+            <a:extLst>
+              <a:ext uri="{28A0092B-C50C-407E-A947-70E740481C1C}">
+                <a14:useLocalDpi xmlns:a14="http://schemas.microsoft.com/office/drawing/2010/main" val="0"/>
+              </a:ext>
+            </a:extLst>
+          </a:blip>
+          <a:stretch>
+            <a:fillRect/>
+          </a:stretch>
+        </p:blipFill>
+        <p:spPr>
+          <a:xfrm>
+            <a:off x="6594764" y="1690688"/>
+            <a:ext cx="3726872" cy="4239057"/>
+          </a:xfrm>
+          <a:prstGeom prst="rect">
+            <a:avLst/>
+          </a:prstGeom>
+        </p:spPr>
+      </p:pic>
+    </p:spTree>
+    <p:extLst>
+      <p:ext uri="{BB962C8B-B14F-4D97-AF65-F5344CB8AC3E}">
+        <p14:creationId xmlns:p14="http://schemas.microsoft.com/office/powerpoint/2010/main" val="449064992"/>
+      </p:ext>
+    </p:extLst>
+  </p:cSld>
+  <p:clrMapOvr>
+    <a:masterClrMapping/>
+  </p:clrMapOvr>
+  <p:timing>
+    <p:tnLst>
+      <p:par>
+        <p:cTn id="1" dur="indefinite" restart="never" nodeType="tmRoot"/>
+      </p:par>
+    </p:tnLst>
+  </p:timing>
+</p:sld>
+</file>
+
+<file path=ppt/slides/slide8.xml><?xml version="1.0" encoding="utf-8"?>
+<p:sld xmlns:a="http://schemas.openxmlformats.org/drawingml/2006/main" xmlns:r="http://schemas.openxmlformats.org/officeDocument/2006/relationships" xmlns:p="http://schemas.openxmlformats.org/presentationml/2006/main">
+  <p:cSld>
+    <p:spTree>
+      <p:nvGrpSpPr>
+        <p:cNvPr id="1" name=""/>
+        <p:cNvGrpSpPr/>
+        <p:nvPr/>
+      </p:nvGrpSpPr>
+      <p:grpSpPr>
+        <a:xfrm>
+          <a:off x="0" y="0"/>
+          <a:ext cx="0" cy="0"/>
+          <a:chOff x="0" y="0"/>
+          <a:chExt cx="0" cy="0"/>
+        </a:xfrm>
+      </p:grpSpPr>
+      <p:pic>
+        <p:nvPicPr>
+          <p:cNvPr id="9" name="Content Placeholder 8"/>
+          <p:cNvPicPr>
+            <a:picLocks noGrp="1" noChangeAspect="1"/>
+          </p:cNvPicPr>
+          <p:nvPr>
+            <p:ph idx="1"/>
+          </p:nvPr>
+        </p:nvPicPr>
+        <p:blipFill>
+          <a:blip r:embed="rId2">
+            <a:extLst>
+              <a:ext uri="{28A0092B-C50C-407E-A947-70E740481C1C}">
+                <a14:useLocalDpi xmlns:a14="http://schemas.microsoft.com/office/drawing/2010/main" val="0"/>
+              </a:ext>
+            </a:extLst>
+          </a:blip>
+          <a:stretch>
+            <a:fillRect/>
+          </a:stretch>
+        </p:blipFill>
+        <p:spPr>
+          <a:xfrm>
+            <a:off x="802851" y="2025099"/>
+            <a:ext cx="4406457" cy="3530573"/>
+          </a:xfrm>
+        </p:spPr>
+      </p:pic>
+      <p:pic>
+        <p:nvPicPr>
+          <p:cNvPr id="10" name="Picture 9"/>
+          <p:cNvPicPr>
+            <a:picLocks noChangeAspect="1"/>
+          </p:cNvPicPr>
+          <p:nvPr/>
+        </p:nvPicPr>
+        <p:blipFill>
+          <a:blip r:embed="rId3">
+            <a:extLst>
+              <a:ext uri="{28A0092B-C50C-407E-A947-70E740481C1C}">
+                <a14:useLocalDpi xmlns:a14="http://schemas.microsoft.com/office/drawing/2010/main" val="0"/>
+              </a:ext>
+            </a:extLst>
+          </a:blip>
+          <a:stretch>
+            <a:fillRect/>
+          </a:stretch>
+        </p:blipFill>
+        <p:spPr>
+          <a:xfrm>
+            <a:off x="6844146" y="2025099"/>
+            <a:ext cx="4237158" cy="3530573"/>
+          </a:xfrm>
+          <a:prstGeom prst="rect">
+            <a:avLst/>
+          </a:prstGeom>
+        </p:spPr>
+      </p:pic>
+    </p:spTree>
+    <p:extLst>
+      <p:ext uri="{BB962C8B-B14F-4D97-AF65-F5344CB8AC3E}">
+        <p14:creationId xmlns:p14="http://schemas.microsoft.com/office/powerpoint/2010/main" val="2631607724"/>
+      </p:ext>
+    </p:extLst>
+  </p:cSld>
+  <p:clrMapOvr>
+    <a:masterClrMapping/>
+  </p:clrMapOvr>
+</p:sld>
+</file>
+
+<file path=ppt/slides/slide9.xml><?xml version="1.0" encoding="utf-8"?>
+<p:sld xmlns:a="http://schemas.openxmlformats.org/drawingml/2006/main" xmlns:r="http://schemas.openxmlformats.org/officeDocument/2006/relationships" xmlns:p="http://schemas.openxmlformats.org/presentationml/2006/main">
+  <p:cSld>
+    <p:spTree>
+      <p:nvGrpSpPr>
+        <p:cNvPr id="1" name=""/>
+        <p:cNvGrpSpPr/>
+        <p:nvPr/>
+      </p:nvGrpSpPr>
+      <p:grpSpPr>
+        <a:xfrm>
+          <a:off x="0" y="0"/>
+          <a:ext cx="0" cy="0"/>
+          <a:chOff x="0" y="0"/>
+          <a:chExt cx="0" cy="0"/>
+        </a:xfrm>
+      </p:grpSpPr>
+      <p:sp>
+        <p:nvSpPr>
+          <p:cNvPr id="3" name="Content Placeholder 2"/>
+          <p:cNvSpPr>
+            <a:spLocks noGrp="1"/>
+          </p:cNvSpPr>
+          <p:nvPr>
+            <p:ph idx="1"/>
+          </p:nvPr>
+        </p:nvSpPr>
+        <p:spPr/>
+        <p:txBody>
+          <a:bodyPr>
+            <a:normAutofit/>
+          </a:bodyPr>
+          <a:lstStyle/>
+          <a:p>
+            <a:pPr marL="0" indent="0" algn="ctr">
+              <a:buNone/>
+            </a:pPr>
+            <a:endParaRPr lang="en-US" sz="6600" dirty="0" smtClean="0">
+              <a:latin typeface="Times New Roman" panose="02020603050405020304" pitchFamily="18" charset="0"/>
+              <a:cs typeface="Times New Roman" panose="02020603050405020304" pitchFamily="18" charset="0"/>
+            </a:endParaRPr>
+          </a:p>
+          <a:p>
+            <a:pPr marL="0" indent="0" algn="ctr">
+              <a:buNone/>
+            </a:pPr>
+            <a:r>
+              <a:rPr lang="en-US" sz="6600" dirty="0" smtClean="0">
+                <a:latin typeface="Times New Roman" panose="02020603050405020304" pitchFamily="18" charset="0"/>
+                <a:cs typeface="Times New Roman" panose="02020603050405020304" pitchFamily="18" charset="0"/>
+              </a:rPr>
+              <a:t>Demo</a:t>
+            </a:r>
+            <a:endParaRPr lang="en-US" sz="6600" dirty="0">
+              <a:latin typeface="Times New Roman" panose="02020603050405020304" pitchFamily="18" charset="0"/>
+              <a:cs typeface="Times New Roman" panose="02020603050405020304" pitchFamily="18" charset="0"/>
+            </a:endParaRPr>
+          </a:p>
+        </p:txBody>
+      </p:sp>
+    </p:spTree>
+    <p:extLst>
+      <p:ext uri="{BB962C8B-B14F-4D97-AF65-F5344CB8AC3E}">
+        <p14:creationId xmlns:p14="http://schemas.microsoft.com/office/powerpoint/2010/main" val="2934638404"/>
       </p:ext>
     </p:extLst>
   </p:cSld>
